--- a/Import&ExPort DataBasePHP.pptx
+++ b/Import&ExPort DataBasePHP.pptx
@@ -8,10 +8,17 @@
     <p:sldId id="256" r:id="rId2"/>
     <p:sldId id="257" r:id="rId3"/>
     <p:sldId id="258" r:id="rId4"/>
-    <p:sldId id="259" r:id="rId5"/>
-    <p:sldId id="260" r:id="rId6"/>
-    <p:sldId id="261" r:id="rId7"/>
-    <p:sldId id="262" r:id="rId8"/>
+    <p:sldId id="267" r:id="rId5"/>
+    <p:sldId id="268" r:id="rId6"/>
+    <p:sldId id="259" r:id="rId7"/>
+    <p:sldId id="260" r:id="rId8"/>
+    <p:sldId id="263" r:id="rId9"/>
+    <p:sldId id="264" r:id="rId10"/>
+    <p:sldId id="269" r:id="rId11"/>
+    <p:sldId id="265" r:id="rId12"/>
+    <p:sldId id="266" r:id="rId13"/>
+    <p:sldId id="261" r:id="rId14"/>
+    <p:sldId id="262" r:id="rId15"/>
   </p:sldIdLst>
   <p:sldSz cx="12192000" cy="6858000"/>
   <p:notesSz cx="6858000" cy="9144000"/>
@@ -110,6 +117,11 @@
       </a:defRPr>
     </a:lvl9pPr>
   </p:defaultTextStyle>
+  <p:extLst>
+    <p:ext uri="{EFAFB233-063F-42B5-8137-9DF3F51BA10A}">
+      <p15:sldGuideLst xmlns:p15="http://schemas.microsoft.com/office/powerpoint/2012/main"/>
+    </p:ext>
+  </p:extLst>
 </p:presentation>
 </file>
 
@@ -155,10 +167,9 @@
           </a:lstStyle>
           <a:p>
             <a:r>
-              <a:rPr lang="en-US" smtClean="0"/>
+              <a:rPr lang="en-US"/>
               <a:t>Click to edit Master title style</a:t>
             </a:r>
-            <a:endParaRPr lang="en-US"/>
           </a:p>
         </p:txBody>
       </p:sp>
@@ -220,10 +231,9 @@
           </a:lstStyle>
           <a:p>
             <a:r>
-              <a:rPr lang="en-US" smtClean="0"/>
+              <a:rPr lang="en-US"/>
               <a:t>Click to edit Master subtitle style</a:t>
             </a:r>
-            <a:endParaRPr lang="en-US"/>
           </a:p>
         </p:txBody>
       </p:sp>
@@ -244,7 +254,7 @@
           <a:p>
             <a:fld id="{FB17FD92-7387-4C11-82C9-8DD2CD382485}" type="datetimeFigureOut">
               <a:rPr lang="en-US" smtClean="0"/>
-              <a:t>28/09/2024</a:t>
+              <a:t>02/10/2024</a:t>
             </a:fld>
             <a:endParaRPr lang="en-US"/>
           </a:p>
@@ -338,10 +348,9 @@
           <a:lstStyle/>
           <a:p>
             <a:r>
-              <a:rPr lang="en-US" smtClean="0"/>
+              <a:rPr lang="en-US"/>
               <a:t>Click to edit Master title style</a:t>
             </a:r>
-            <a:endParaRPr lang="en-US"/>
           </a:p>
         </p:txBody>
       </p:sp>
@@ -362,38 +371,37 @@
           <a:p>
             <a:pPr lvl="0"/>
             <a:r>
-              <a:rPr lang="en-US" smtClean="0"/>
+              <a:rPr lang="en-US"/>
               <a:t>Edit Master text styles</a:t>
             </a:r>
           </a:p>
           <a:p>
             <a:pPr lvl="1"/>
             <a:r>
-              <a:rPr lang="en-US" smtClean="0"/>
+              <a:rPr lang="en-US"/>
               <a:t>Second level</a:t>
             </a:r>
           </a:p>
           <a:p>
             <a:pPr lvl="2"/>
             <a:r>
-              <a:rPr lang="en-US" smtClean="0"/>
+              <a:rPr lang="en-US"/>
               <a:t>Third level</a:t>
             </a:r>
           </a:p>
           <a:p>
             <a:pPr lvl="3"/>
             <a:r>
-              <a:rPr lang="en-US" smtClean="0"/>
+              <a:rPr lang="en-US"/>
               <a:t>Fourth level</a:t>
             </a:r>
           </a:p>
           <a:p>
             <a:pPr lvl="4"/>
             <a:r>
-              <a:rPr lang="en-US" smtClean="0"/>
+              <a:rPr lang="en-US"/>
               <a:t>Fifth level</a:t>
             </a:r>
-            <a:endParaRPr lang="en-US"/>
           </a:p>
         </p:txBody>
       </p:sp>
@@ -414,7 +422,7 @@
           <a:p>
             <a:fld id="{FB17FD92-7387-4C11-82C9-8DD2CD382485}" type="datetimeFigureOut">
               <a:rPr lang="en-US" smtClean="0"/>
-              <a:t>28/09/2024</a:t>
+              <a:t>02/10/2024</a:t>
             </a:fld>
             <a:endParaRPr lang="en-US"/>
           </a:p>
@@ -513,10 +521,9 @@
           <a:lstStyle/>
           <a:p>
             <a:r>
-              <a:rPr lang="en-US" smtClean="0"/>
+              <a:rPr lang="en-US"/>
               <a:t>Click to edit Master title style</a:t>
             </a:r>
-            <a:endParaRPr lang="en-US"/>
           </a:p>
         </p:txBody>
       </p:sp>
@@ -542,38 +549,37 @@
           <a:p>
             <a:pPr lvl="0"/>
             <a:r>
-              <a:rPr lang="en-US" smtClean="0"/>
+              <a:rPr lang="en-US"/>
               <a:t>Edit Master text styles</a:t>
             </a:r>
           </a:p>
           <a:p>
             <a:pPr lvl="1"/>
             <a:r>
-              <a:rPr lang="en-US" smtClean="0"/>
+              <a:rPr lang="en-US"/>
               <a:t>Second level</a:t>
             </a:r>
           </a:p>
           <a:p>
             <a:pPr lvl="2"/>
             <a:r>
-              <a:rPr lang="en-US" smtClean="0"/>
+              <a:rPr lang="en-US"/>
               <a:t>Third level</a:t>
             </a:r>
           </a:p>
           <a:p>
             <a:pPr lvl="3"/>
             <a:r>
-              <a:rPr lang="en-US" smtClean="0"/>
+              <a:rPr lang="en-US"/>
               <a:t>Fourth level</a:t>
             </a:r>
           </a:p>
           <a:p>
             <a:pPr lvl="4"/>
             <a:r>
-              <a:rPr lang="en-US" smtClean="0"/>
+              <a:rPr lang="en-US"/>
               <a:t>Fifth level</a:t>
             </a:r>
-            <a:endParaRPr lang="en-US"/>
           </a:p>
         </p:txBody>
       </p:sp>
@@ -594,7 +600,7 @@
           <a:p>
             <a:fld id="{FB17FD92-7387-4C11-82C9-8DD2CD382485}" type="datetimeFigureOut">
               <a:rPr lang="en-US" smtClean="0"/>
-              <a:t>28/09/2024</a:t>
+              <a:t>02/10/2024</a:t>
             </a:fld>
             <a:endParaRPr lang="en-US"/>
           </a:p>
@@ -688,10 +694,9 @@
           <a:lstStyle/>
           <a:p>
             <a:r>
-              <a:rPr lang="en-US" smtClean="0"/>
+              <a:rPr lang="en-US"/>
               <a:t>Click to edit Master title style</a:t>
             </a:r>
-            <a:endParaRPr lang="en-US"/>
           </a:p>
         </p:txBody>
       </p:sp>
@@ -712,38 +717,37 @@
           <a:p>
             <a:pPr lvl="0"/>
             <a:r>
-              <a:rPr lang="en-US" smtClean="0"/>
+              <a:rPr lang="en-US"/>
               <a:t>Edit Master text styles</a:t>
             </a:r>
           </a:p>
           <a:p>
             <a:pPr lvl="1"/>
             <a:r>
-              <a:rPr lang="en-US" smtClean="0"/>
+              <a:rPr lang="en-US"/>
               <a:t>Second level</a:t>
             </a:r>
           </a:p>
           <a:p>
             <a:pPr lvl="2"/>
             <a:r>
-              <a:rPr lang="en-US" smtClean="0"/>
+              <a:rPr lang="en-US"/>
               <a:t>Third level</a:t>
             </a:r>
           </a:p>
           <a:p>
             <a:pPr lvl="3"/>
             <a:r>
-              <a:rPr lang="en-US" smtClean="0"/>
+              <a:rPr lang="en-US"/>
               <a:t>Fourth level</a:t>
             </a:r>
           </a:p>
           <a:p>
             <a:pPr lvl="4"/>
             <a:r>
-              <a:rPr lang="en-US" smtClean="0"/>
+              <a:rPr lang="en-US"/>
               <a:t>Fifth level</a:t>
             </a:r>
-            <a:endParaRPr lang="en-US"/>
           </a:p>
         </p:txBody>
       </p:sp>
@@ -764,7 +768,7 @@
           <a:p>
             <a:fld id="{FB17FD92-7387-4C11-82C9-8DD2CD382485}" type="datetimeFigureOut">
               <a:rPr lang="en-US" smtClean="0"/>
-              <a:t>28/09/2024</a:t>
+              <a:t>02/10/2024</a:t>
             </a:fld>
             <a:endParaRPr lang="en-US"/>
           </a:p>
@@ -867,10 +871,9 @@
           </a:lstStyle>
           <a:p>
             <a:r>
-              <a:rPr lang="en-US" smtClean="0"/>
+              <a:rPr lang="en-US"/>
               <a:t>Click to edit Master title style</a:t>
             </a:r>
-            <a:endParaRPr lang="en-US"/>
           </a:p>
         </p:txBody>
       </p:sp>
@@ -987,7 +990,7 @@
           <a:p>
             <a:pPr lvl="0"/>
             <a:r>
-              <a:rPr lang="en-US" smtClean="0"/>
+              <a:rPr lang="en-US"/>
               <a:t>Edit Master text styles</a:t>
             </a:r>
           </a:p>
@@ -1010,7 +1013,7 @@
           <a:p>
             <a:fld id="{FB17FD92-7387-4C11-82C9-8DD2CD382485}" type="datetimeFigureOut">
               <a:rPr lang="en-US" smtClean="0"/>
-              <a:t>28/09/2024</a:t>
+              <a:t>02/10/2024</a:t>
             </a:fld>
             <a:endParaRPr lang="en-US"/>
           </a:p>
@@ -1104,10 +1107,9 @@
           <a:lstStyle/>
           <a:p>
             <a:r>
-              <a:rPr lang="en-US" smtClean="0"/>
+              <a:rPr lang="en-US"/>
               <a:t>Click to edit Master title style</a:t>
             </a:r>
-            <a:endParaRPr lang="en-US"/>
           </a:p>
         </p:txBody>
       </p:sp>
@@ -1133,38 +1135,37 @@
           <a:p>
             <a:pPr lvl="0"/>
             <a:r>
-              <a:rPr lang="en-US" smtClean="0"/>
+              <a:rPr lang="en-US"/>
               <a:t>Edit Master text styles</a:t>
             </a:r>
           </a:p>
           <a:p>
             <a:pPr lvl="1"/>
             <a:r>
-              <a:rPr lang="en-US" smtClean="0"/>
+              <a:rPr lang="en-US"/>
               <a:t>Second level</a:t>
             </a:r>
           </a:p>
           <a:p>
             <a:pPr lvl="2"/>
             <a:r>
-              <a:rPr lang="en-US" smtClean="0"/>
+              <a:rPr lang="en-US"/>
               <a:t>Third level</a:t>
             </a:r>
           </a:p>
           <a:p>
             <a:pPr lvl="3"/>
             <a:r>
-              <a:rPr lang="en-US" smtClean="0"/>
+              <a:rPr lang="en-US"/>
               <a:t>Fourth level</a:t>
             </a:r>
           </a:p>
           <a:p>
             <a:pPr lvl="4"/>
             <a:r>
-              <a:rPr lang="en-US" smtClean="0"/>
+              <a:rPr lang="en-US"/>
               <a:t>Fifth level</a:t>
             </a:r>
-            <a:endParaRPr lang="en-US"/>
           </a:p>
         </p:txBody>
       </p:sp>
@@ -1190,38 +1191,37 @@
           <a:p>
             <a:pPr lvl="0"/>
             <a:r>
-              <a:rPr lang="en-US" smtClean="0"/>
+              <a:rPr lang="en-US"/>
               <a:t>Edit Master text styles</a:t>
             </a:r>
           </a:p>
           <a:p>
             <a:pPr lvl="1"/>
             <a:r>
-              <a:rPr lang="en-US" smtClean="0"/>
+              <a:rPr lang="en-US"/>
               <a:t>Second level</a:t>
             </a:r>
           </a:p>
           <a:p>
             <a:pPr lvl="2"/>
             <a:r>
-              <a:rPr lang="en-US" smtClean="0"/>
+              <a:rPr lang="en-US"/>
               <a:t>Third level</a:t>
             </a:r>
           </a:p>
           <a:p>
             <a:pPr lvl="3"/>
             <a:r>
-              <a:rPr lang="en-US" smtClean="0"/>
+              <a:rPr lang="en-US"/>
               <a:t>Fourth level</a:t>
             </a:r>
           </a:p>
           <a:p>
             <a:pPr lvl="4"/>
             <a:r>
-              <a:rPr lang="en-US" smtClean="0"/>
+              <a:rPr lang="en-US"/>
               <a:t>Fifth level</a:t>
             </a:r>
-            <a:endParaRPr lang="en-US"/>
           </a:p>
         </p:txBody>
       </p:sp>
@@ -1242,7 +1242,7 @@
           <a:p>
             <a:fld id="{FB17FD92-7387-4C11-82C9-8DD2CD382485}" type="datetimeFigureOut">
               <a:rPr lang="en-US" smtClean="0"/>
-              <a:t>28/09/2024</a:t>
+              <a:t>02/10/2024</a:t>
             </a:fld>
             <a:endParaRPr lang="en-US"/>
           </a:p>
@@ -1341,10 +1341,9 @@
           <a:lstStyle/>
           <a:p>
             <a:r>
-              <a:rPr lang="en-US" smtClean="0"/>
+              <a:rPr lang="en-US"/>
               <a:t>Click to edit Master title style</a:t>
             </a:r>
-            <a:endParaRPr lang="en-US"/>
           </a:p>
         </p:txBody>
       </p:sp>
@@ -1407,7 +1406,7 @@
           <a:p>
             <a:pPr lvl="0"/>
             <a:r>
-              <a:rPr lang="en-US" smtClean="0"/>
+              <a:rPr lang="en-US"/>
               <a:t>Edit Master text styles</a:t>
             </a:r>
           </a:p>
@@ -1435,38 +1434,37 @@
           <a:p>
             <a:pPr lvl="0"/>
             <a:r>
-              <a:rPr lang="en-US" smtClean="0"/>
+              <a:rPr lang="en-US"/>
               <a:t>Edit Master text styles</a:t>
             </a:r>
           </a:p>
           <a:p>
             <a:pPr lvl="1"/>
             <a:r>
-              <a:rPr lang="en-US" smtClean="0"/>
+              <a:rPr lang="en-US"/>
               <a:t>Second level</a:t>
             </a:r>
           </a:p>
           <a:p>
             <a:pPr lvl="2"/>
             <a:r>
-              <a:rPr lang="en-US" smtClean="0"/>
+              <a:rPr lang="en-US"/>
               <a:t>Third level</a:t>
             </a:r>
           </a:p>
           <a:p>
             <a:pPr lvl="3"/>
             <a:r>
-              <a:rPr lang="en-US" smtClean="0"/>
+              <a:rPr lang="en-US"/>
               <a:t>Fourth level</a:t>
             </a:r>
           </a:p>
           <a:p>
             <a:pPr lvl="4"/>
             <a:r>
-              <a:rPr lang="en-US" smtClean="0"/>
+              <a:rPr lang="en-US"/>
               <a:t>Fifth level</a:t>
             </a:r>
-            <a:endParaRPr lang="en-US"/>
           </a:p>
         </p:txBody>
       </p:sp>
@@ -1529,7 +1527,7 @@
           <a:p>
             <a:pPr lvl="0"/>
             <a:r>
-              <a:rPr lang="en-US" smtClean="0"/>
+              <a:rPr lang="en-US"/>
               <a:t>Edit Master text styles</a:t>
             </a:r>
           </a:p>
@@ -1557,38 +1555,37 @@
           <a:p>
             <a:pPr lvl="0"/>
             <a:r>
-              <a:rPr lang="en-US" smtClean="0"/>
+              <a:rPr lang="en-US"/>
               <a:t>Edit Master text styles</a:t>
             </a:r>
           </a:p>
           <a:p>
             <a:pPr lvl="1"/>
             <a:r>
-              <a:rPr lang="en-US" smtClean="0"/>
+              <a:rPr lang="en-US"/>
               <a:t>Second level</a:t>
             </a:r>
           </a:p>
           <a:p>
             <a:pPr lvl="2"/>
             <a:r>
-              <a:rPr lang="en-US" smtClean="0"/>
+              <a:rPr lang="en-US"/>
               <a:t>Third level</a:t>
             </a:r>
           </a:p>
           <a:p>
             <a:pPr lvl="3"/>
             <a:r>
-              <a:rPr lang="en-US" smtClean="0"/>
+              <a:rPr lang="en-US"/>
               <a:t>Fourth level</a:t>
             </a:r>
           </a:p>
           <a:p>
             <a:pPr lvl="4"/>
             <a:r>
-              <a:rPr lang="en-US" smtClean="0"/>
+              <a:rPr lang="en-US"/>
               <a:t>Fifth level</a:t>
             </a:r>
-            <a:endParaRPr lang="en-US"/>
           </a:p>
         </p:txBody>
       </p:sp>
@@ -1609,7 +1606,7 @@
           <a:p>
             <a:fld id="{FB17FD92-7387-4C11-82C9-8DD2CD382485}" type="datetimeFigureOut">
               <a:rPr lang="en-US" smtClean="0"/>
-              <a:t>28/09/2024</a:t>
+              <a:t>02/10/2024</a:t>
             </a:fld>
             <a:endParaRPr lang="en-US"/>
           </a:p>
@@ -1703,10 +1700,9 @@
           <a:lstStyle/>
           <a:p>
             <a:r>
-              <a:rPr lang="en-US" smtClean="0"/>
+              <a:rPr lang="en-US"/>
               <a:t>Click to edit Master title style</a:t>
             </a:r>
-            <a:endParaRPr lang="en-US"/>
           </a:p>
         </p:txBody>
       </p:sp>
@@ -1727,7 +1723,7 @@
           <a:p>
             <a:fld id="{FB17FD92-7387-4C11-82C9-8DD2CD382485}" type="datetimeFigureOut">
               <a:rPr lang="en-US" smtClean="0"/>
-              <a:t>28/09/2024</a:t>
+              <a:t>02/10/2024</a:t>
             </a:fld>
             <a:endParaRPr lang="en-US"/>
           </a:p>
@@ -1822,7 +1818,7 @@
           <a:p>
             <a:fld id="{FB17FD92-7387-4C11-82C9-8DD2CD382485}" type="datetimeFigureOut">
               <a:rPr lang="en-US" smtClean="0"/>
-              <a:t>28/09/2024</a:t>
+              <a:t>02/10/2024</a:t>
             </a:fld>
             <a:endParaRPr lang="en-US"/>
           </a:p>
@@ -1925,10 +1921,9 @@
           </a:lstStyle>
           <a:p>
             <a:r>
-              <a:rPr lang="en-US" smtClean="0"/>
+              <a:rPr lang="en-US"/>
               <a:t>Click to edit Master title style</a:t>
             </a:r>
-            <a:endParaRPr lang="en-US"/>
           </a:p>
         </p:txBody>
       </p:sp>
@@ -1982,38 +1977,37 @@
           <a:p>
             <a:pPr lvl="0"/>
             <a:r>
-              <a:rPr lang="en-US" smtClean="0"/>
+              <a:rPr lang="en-US"/>
               <a:t>Edit Master text styles</a:t>
             </a:r>
           </a:p>
           <a:p>
             <a:pPr lvl="1"/>
             <a:r>
-              <a:rPr lang="en-US" smtClean="0"/>
+              <a:rPr lang="en-US"/>
               <a:t>Second level</a:t>
             </a:r>
           </a:p>
           <a:p>
             <a:pPr lvl="2"/>
             <a:r>
-              <a:rPr lang="en-US" smtClean="0"/>
+              <a:rPr lang="en-US"/>
               <a:t>Third level</a:t>
             </a:r>
           </a:p>
           <a:p>
             <a:pPr lvl="3"/>
             <a:r>
-              <a:rPr lang="en-US" smtClean="0"/>
+              <a:rPr lang="en-US"/>
               <a:t>Fourth level</a:t>
             </a:r>
           </a:p>
           <a:p>
             <a:pPr lvl="4"/>
             <a:r>
-              <a:rPr lang="en-US" smtClean="0"/>
+              <a:rPr lang="en-US"/>
               <a:t>Fifth level</a:t>
             </a:r>
-            <a:endParaRPr lang="en-US"/>
           </a:p>
         </p:txBody>
       </p:sp>
@@ -2076,7 +2070,7 @@
           <a:p>
             <a:pPr lvl="0"/>
             <a:r>
-              <a:rPr lang="en-US" smtClean="0"/>
+              <a:rPr lang="en-US"/>
               <a:t>Edit Master text styles</a:t>
             </a:r>
           </a:p>
@@ -2099,7 +2093,7 @@
           <a:p>
             <a:fld id="{FB17FD92-7387-4C11-82C9-8DD2CD382485}" type="datetimeFigureOut">
               <a:rPr lang="en-US" smtClean="0"/>
-              <a:t>28/09/2024</a:t>
+              <a:t>02/10/2024</a:t>
             </a:fld>
             <a:endParaRPr lang="en-US"/>
           </a:p>
@@ -2202,10 +2196,9 @@
           </a:lstStyle>
           <a:p>
             <a:r>
-              <a:rPr lang="en-US" smtClean="0"/>
+              <a:rPr lang="en-US"/>
               <a:t>Click to edit Master title style</a:t>
             </a:r>
-            <a:endParaRPr lang="en-US"/>
           </a:p>
         </p:txBody>
       </p:sp>
@@ -2329,7 +2322,7 @@
           <a:p>
             <a:pPr lvl="0"/>
             <a:r>
-              <a:rPr lang="en-US" smtClean="0"/>
+              <a:rPr lang="en-US"/>
               <a:t>Edit Master text styles</a:t>
             </a:r>
           </a:p>
@@ -2352,7 +2345,7 @@
           <a:p>
             <a:fld id="{FB17FD92-7387-4C11-82C9-8DD2CD382485}" type="datetimeFigureOut">
               <a:rPr lang="en-US" smtClean="0"/>
-              <a:t>28/09/2024</a:t>
+              <a:t>02/10/2024</a:t>
             </a:fld>
             <a:endParaRPr lang="en-US"/>
           </a:p>
@@ -2461,10 +2454,9 @@
           <a:lstStyle/>
           <a:p>
             <a:r>
-              <a:rPr lang="en-US" smtClean="0"/>
+              <a:rPr lang="en-US"/>
               <a:t>Click to edit Master title style</a:t>
             </a:r>
-            <a:endParaRPr lang="en-US"/>
           </a:p>
         </p:txBody>
       </p:sp>
@@ -2495,38 +2487,37 @@
           <a:p>
             <a:pPr lvl="0"/>
             <a:r>
-              <a:rPr lang="en-US" smtClean="0"/>
+              <a:rPr lang="en-US"/>
               <a:t>Edit Master text styles</a:t>
             </a:r>
           </a:p>
           <a:p>
             <a:pPr lvl="1"/>
             <a:r>
-              <a:rPr lang="en-US" smtClean="0"/>
+              <a:rPr lang="en-US"/>
               <a:t>Second level</a:t>
             </a:r>
           </a:p>
           <a:p>
             <a:pPr lvl="2"/>
             <a:r>
-              <a:rPr lang="en-US" smtClean="0"/>
+              <a:rPr lang="en-US"/>
               <a:t>Third level</a:t>
             </a:r>
           </a:p>
           <a:p>
             <a:pPr lvl="3"/>
             <a:r>
-              <a:rPr lang="en-US" smtClean="0"/>
+              <a:rPr lang="en-US"/>
               <a:t>Fourth level</a:t>
             </a:r>
           </a:p>
           <a:p>
             <a:pPr lvl="4"/>
             <a:r>
-              <a:rPr lang="en-US" smtClean="0"/>
+              <a:rPr lang="en-US"/>
               <a:t>Fifth level</a:t>
             </a:r>
-            <a:endParaRPr lang="en-US"/>
           </a:p>
         </p:txBody>
       </p:sp>
@@ -2565,7 +2556,7 @@
           <a:p>
             <a:fld id="{FB17FD92-7387-4C11-82C9-8DD2CD382485}" type="datetimeFigureOut">
               <a:rPr lang="en-US" smtClean="0"/>
-              <a:t>28/09/2024</a:t>
+              <a:t>02/10/2024</a:t>
             </a:fld>
             <a:endParaRPr lang="en-US"/>
           </a:p>
@@ -2980,11 +2971,20 @@
             <p:ph type="ctrTitle"/>
           </p:nvPr>
         </p:nvSpPr>
-        <p:spPr/>
-        <p:txBody>
-          <a:bodyPr/>
-          <a:lstStyle/>
-          <a:p>
+        <p:spPr>
+          <a:xfrm>
+            <a:off x="1524000" y="1122363"/>
+            <a:ext cx="9144000" cy="2306637"/>
+          </a:xfrm>
+        </p:spPr>
+        <p:txBody>
+          <a:bodyPr/>
+          <a:lstStyle/>
+          <a:p>
+            <a:r>
+              <a:rPr lang="en-US"/>
+              <a:t>Link Video:</a:t>
+            </a:r>
             <a:endParaRPr lang="en-US" dirty="0"/>
           </a:p>
         </p:txBody>
@@ -2999,16 +2999,63 @@
             <p:ph type="subTitle" idx="1"/>
           </p:nvPr>
         </p:nvSpPr>
-        <p:spPr/>
-        <p:txBody>
-          <a:bodyPr/>
-          <a:lstStyle/>
-          <a:p>
-            <a:r>
-              <a:rPr lang="en-US" dirty="0" smtClean="0"/>
+        <p:spPr>
+          <a:xfrm>
+            <a:off x="1524000" y="3602038"/>
+            <a:ext cx="9144000" cy="1076494"/>
+          </a:xfrm>
+        </p:spPr>
+        <p:txBody>
+          <a:bodyPr/>
+          <a:lstStyle/>
+          <a:p>
+            <a:r>
+              <a:rPr lang="en-US" dirty="0"/>
               <a:t>https://www.youtube.com/watch?v=hvFzFrkigEI</a:t>
             </a:r>
-            <a:endParaRPr lang="en-US" dirty="0"/>
+          </a:p>
+        </p:txBody>
+      </p:sp>
+      <p:sp>
+        <p:nvSpPr>
+          <p:cNvPr id="4" name="TextBox 3">
+            <a:extLst>
+              <a:ext uri="{FF2B5EF4-FFF2-40B4-BE49-F238E27FC236}">
+                <a16:creationId xmlns:a16="http://schemas.microsoft.com/office/drawing/2014/main" id="{5B264E80-87CA-46BC-B2A1-28FFD61C7492}"/>
+              </a:ext>
+            </a:extLst>
+          </p:cNvPr>
+          <p:cNvSpPr txBox="1"/>
+          <p:nvPr/>
+        </p:nvSpPr>
+        <p:spPr>
+          <a:xfrm>
+            <a:off x="1189608" y="5113538"/>
+            <a:ext cx="10280342" cy="369332"/>
+          </a:xfrm>
+          <a:prstGeom prst="rect">
+            <a:avLst/>
+          </a:prstGeom>
+          <a:noFill/>
+        </p:spPr>
+        <p:txBody>
+          <a:bodyPr wrap="square" rtlCol="0">
+            <a:spAutoFit/>
+          </a:bodyPr>
+          <a:lstStyle/>
+          <a:p>
+            <a:r>
+              <a:rPr lang="en-US"/>
+              <a:t>Chỉ cần đổi lại Theme là đ</a:t>
+            </a:r>
+            <a:r>
+              <a:rPr lang="vi-VN"/>
+              <a:t>ư</a:t>
+            </a:r>
+            <a:r>
+              <a:rPr lang="en-US"/>
+              <a:t>ợc.</a:t>
+            </a:r>
           </a:p>
         </p:txBody>
       </p:sp>
@@ -3016,6 +3063,431 @@
     <p:extLst>
       <p:ext uri="{BB962C8B-B14F-4D97-AF65-F5344CB8AC3E}">
         <p14:creationId xmlns:p14="http://schemas.microsoft.com/office/powerpoint/2010/main" val="654480561"/>
+      </p:ext>
+    </p:extLst>
+  </p:cSld>
+  <p:clrMapOvr>
+    <a:masterClrMapping/>
+  </p:clrMapOvr>
+</p:sld>
+</file>
+
+<file path=ppt/slides/slide10.xml><?xml version="1.0" encoding="utf-8"?>
+<p:sld xmlns:a="http://schemas.openxmlformats.org/drawingml/2006/main" xmlns:r="http://schemas.openxmlformats.org/officeDocument/2006/relationships" xmlns:p="http://schemas.openxmlformats.org/presentationml/2006/main">
+  <p:cSld>
+    <p:spTree>
+      <p:nvGrpSpPr>
+        <p:cNvPr id="1" name=""/>
+        <p:cNvGrpSpPr/>
+        <p:nvPr/>
+      </p:nvGrpSpPr>
+      <p:grpSpPr>
+        <a:xfrm>
+          <a:off x="0" y="0"/>
+          <a:ext cx="0" cy="0"/>
+          <a:chOff x="0" y="0"/>
+          <a:chExt cx="0" cy="0"/>
+        </a:xfrm>
+      </p:grpSpPr>
+      <p:sp>
+        <p:nvSpPr>
+          <p:cNvPr id="2" name="Title 1">
+            <a:extLst>
+              <a:ext uri="{FF2B5EF4-FFF2-40B4-BE49-F238E27FC236}">
+                <a16:creationId xmlns:a16="http://schemas.microsoft.com/office/drawing/2014/main" id="{29CCFEDA-2044-466E-9AB5-93710C4AAD4A}"/>
+              </a:ext>
+            </a:extLst>
+          </p:cNvPr>
+          <p:cNvSpPr>
+            <a:spLocks noGrp="1"/>
+          </p:cNvSpPr>
+          <p:nvPr>
+            <p:ph type="title"/>
+          </p:nvPr>
+        </p:nvSpPr>
+        <p:spPr/>
+        <p:txBody>
+          <a:bodyPr/>
+          <a:lstStyle/>
+          <a:p>
+            <a:endParaRPr lang="en-US"/>
+          </a:p>
+        </p:txBody>
+      </p:sp>
+      <p:sp>
+        <p:nvSpPr>
+          <p:cNvPr id="3" name="Content Placeholder 2">
+            <a:extLst>
+              <a:ext uri="{FF2B5EF4-FFF2-40B4-BE49-F238E27FC236}">
+                <a16:creationId xmlns:a16="http://schemas.microsoft.com/office/drawing/2014/main" id="{C92094D3-9993-48F7-8793-917B2913DE04}"/>
+              </a:ext>
+            </a:extLst>
+          </p:cNvPr>
+          <p:cNvSpPr>
+            <a:spLocks noGrp="1"/>
+          </p:cNvSpPr>
+          <p:nvPr>
+            <p:ph idx="1"/>
+          </p:nvPr>
+        </p:nvSpPr>
+        <p:spPr/>
+        <p:txBody>
+          <a:bodyPr/>
+          <a:lstStyle/>
+          <a:p>
+            <a:r>
+              <a:rPr lang="en-US"/>
+              <a:t>Xuất nhập dữ liệu của trang web: trang, chuyên mục, sản phẩm, bài viết.</a:t>
+            </a:r>
+          </a:p>
+        </p:txBody>
+      </p:sp>
+    </p:spTree>
+    <p:extLst>
+      <p:ext uri="{BB962C8B-B14F-4D97-AF65-F5344CB8AC3E}">
+        <p14:creationId xmlns:p14="http://schemas.microsoft.com/office/powerpoint/2010/main" val="328679421"/>
+      </p:ext>
+    </p:extLst>
+  </p:cSld>
+  <p:clrMapOvr>
+    <a:masterClrMapping/>
+  </p:clrMapOvr>
+</p:sld>
+</file>
+
+<file path=ppt/slides/slide11.xml><?xml version="1.0" encoding="utf-8"?>
+<p:sld xmlns:a="http://schemas.openxmlformats.org/drawingml/2006/main" xmlns:r="http://schemas.openxmlformats.org/officeDocument/2006/relationships" xmlns:p="http://schemas.openxmlformats.org/presentationml/2006/main">
+  <p:cSld>
+    <p:spTree>
+      <p:nvGrpSpPr>
+        <p:cNvPr id="1" name=""/>
+        <p:cNvGrpSpPr/>
+        <p:nvPr/>
+      </p:nvGrpSpPr>
+      <p:grpSpPr>
+        <a:xfrm>
+          <a:off x="0" y="0"/>
+          <a:ext cx="0" cy="0"/>
+          <a:chOff x="0" y="0"/>
+          <a:chExt cx="0" cy="0"/>
+        </a:xfrm>
+      </p:grpSpPr>
+      <p:sp>
+        <p:nvSpPr>
+          <p:cNvPr id="2" name="Title 1">
+            <a:extLst>
+              <a:ext uri="{FF2B5EF4-FFF2-40B4-BE49-F238E27FC236}">
+                <a16:creationId xmlns:a16="http://schemas.microsoft.com/office/drawing/2014/main" id="{84435C33-C8F8-4D7C-B3FB-DF9B152F3650}"/>
+              </a:ext>
+            </a:extLst>
+          </p:cNvPr>
+          <p:cNvSpPr>
+            <a:spLocks noGrp="1"/>
+          </p:cNvSpPr>
+          <p:nvPr>
+            <p:ph type="title"/>
+          </p:nvPr>
+        </p:nvSpPr>
+        <p:spPr/>
+        <p:txBody>
+          <a:bodyPr/>
+          <a:lstStyle/>
+          <a:p>
+            <a:r>
+              <a:rPr lang="en-US"/>
+              <a:t>Xuất nhập dữ liệu trong cửa hàng.</a:t>
+            </a:r>
+          </a:p>
+        </p:txBody>
+      </p:sp>
+      <p:sp>
+        <p:nvSpPr>
+          <p:cNvPr id="3" name="Content Placeholder 2">
+            <a:extLst>
+              <a:ext uri="{FF2B5EF4-FFF2-40B4-BE49-F238E27FC236}">
+                <a16:creationId xmlns:a16="http://schemas.microsoft.com/office/drawing/2014/main" id="{5E8FAA88-0459-49CC-B890-58CD90CE0685}"/>
+              </a:ext>
+            </a:extLst>
+          </p:cNvPr>
+          <p:cNvSpPr>
+            <a:spLocks noGrp="1"/>
+          </p:cNvSpPr>
+          <p:nvPr>
+            <p:ph idx="1"/>
+          </p:nvPr>
+        </p:nvSpPr>
+        <p:spPr>
+          <a:xfrm>
+            <a:off x="838200" y="1825626"/>
+            <a:ext cx="10515600" cy="944208"/>
+          </a:xfrm>
+        </p:spPr>
+        <p:txBody>
+          <a:bodyPr/>
+          <a:lstStyle/>
+          <a:p>
+            <a:r>
+              <a:rPr lang="en-US"/>
+              <a:t>https://www.youtube.com/watch?v=mTC0mbVZs-k</a:t>
+            </a:r>
+          </a:p>
+        </p:txBody>
+      </p:sp>
+      <p:sp>
+        <p:nvSpPr>
+          <p:cNvPr id="4" name="TextBox 3">
+            <a:extLst>
+              <a:ext uri="{FF2B5EF4-FFF2-40B4-BE49-F238E27FC236}">
+                <a16:creationId xmlns:a16="http://schemas.microsoft.com/office/drawing/2014/main" id="{A2C15E06-67D8-4AAD-8AC7-1E2875FEFAA8}"/>
+              </a:ext>
+            </a:extLst>
+          </p:cNvPr>
+          <p:cNvSpPr txBox="1"/>
+          <p:nvPr/>
+        </p:nvSpPr>
+        <p:spPr>
+          <a:xfrm>
+            <a:off x="701336" y="3027285"/>
+            <a:ext cx="10848513" cy="369332"/>
+          </a:xfrm>
+          <a:prstGeom prst="rect">
+            <a:avLst/>
+          </a:prstGeom>
+          <a:noFill/>
+        </p:spPr>
+        <p:txBody>
+          <a:bodyPr wrap="square" rtlCol="0">
+            <a:spAutoFit/>
+          </a:bodyPr>
+          <a:lstStyle/>
+          <a:p>
+            <a:r>
+              <a:rPr lang="en-US"/>
+              <a:t>https://www.youtube.com/watch?v=mTC0mbVZs-k</a:t>
+            </a:r>
+          </a:p>
+        </p:txBody>
+      </p:sp>
+    </p:spTree>
+    <p:extLst>
+      <p:ext uri="{BB962C8B-B14F-4D97-AF65-F5344CB8AC3E}">
+        <p14:creationId xmlns:p14="http://schemas.microsoft.com/office/powerpoint/2010/main" val="1249860433"/>
+      </p:ext>
+    </p:extLst>
+  </p:cSld>
+  <p:clrMapOvr>
+    <a:masterClrMapping/>
+  </p:clrMapOvr>
+</p:sld>
+</file>
+
+<file path=ppt/slides/slide12.xml><?xml version="1.0" encoding="utf-8"?>
+<p:sld xmlns:a="http://schemas.openxmlformats.org/drawingml/2006/main" xmlns:r="http://schemas.openxmlformats.org/officeDocument/2006/relationships" xmlns:p="http://schemas.openxmlformats.org/presentationml/2006/main">
+  <p:cSld>
+    <p:spTree>
+      <p:nvGrpSpPr>
+        <p:cNvPr id="1" name=""/>
+        <p:cNvGrpSpPr/>
+        <p:nvPr/>
+      </p:nvGrpSpPr>
+      <p:grpSpPr>
+        <a:xfrm>
+          <a:off x="0" y="0"/>
+          <a:ext cx="0" cy="0"/>
+          <a:chOff x="0" y="0"/>
+          <a:chExt cx="0" cy="0"/>
+        </a:xfrm>
+      </p:grpSpPr>
+      <p:sp>
+        <p:nvSpPr>
+          <p:cNvPr id="2" name="Title 1">
+            <a:extLst>
+              <a:ext uri="{FF2B5EF4-FFF2-40B4-BE49-F238E27FC236}">
+                <a16:creationId xmlns:a16="http://schemas.microsoft.com/office/drawing/2014/main" id="{D322769F-4A48-40D8-B3F7-4F62DC01F2BB}"/>
+              </a:ext>
+            </a:extLst>
+          </p:cNvPr>
+          <p:cNvSpPr>
+            <a:spLocks noGrp="1"/>
+          </p:cNvSpPr>
+          <p:nvPr>
+            <p:ph type="title"/>
+          </p:nvPr>
+        </p:nvSpPr>
+        <p:spPr/>
+        <p:txBody>
+          <a:bodyPr/>
+          <a:lstStyle/>
+          <a:p>
+            <a:endParaRPr lang="en-US"/>
+          </a:p>
+        </p:txBody>
+      </p:sp>
+      <p:sp>
+        <p:nvSpPr>
+          <p:cNvPr id="3" name="Content Placeholder 2">
+            <a:extLst>
+              <a:ext uri="{FF2B5EF4-FFF2-40B4-BE49-F238E27FC236}">
+                <a16:creationId xmlns:a16="http://schemas.microsoft.com/office/drawing/2014/main" id="{D60DDC78-1726-4FF9-A149-697CC10442FF}"/>
+              </a:ext>
+            </a:extLst>
+          </p:cNvPr>
+          <p:cNvSpPr>
+            <a:spLocks noGrp="1"/>
+          </p:cNvSpPr>
+          <p:nvPr>
+            <p:ph idx="1"/>
+          </p:nvPr>
+        </p:nvSpPr>
+        <p:spPr/>
+        <p:txBody>
+          <a:bodyPr/>
+          <a:lstStyle/>
+          <a:p>
+            <a:endParaRPr lang="en-US"/>
+          </a:p>
+        </p:txBody>
+      </p:sp>
+    </p:spTree>
+    <p:extLst>
+      <p:ext uri="{BB962C8B-B14F-4D97-AF65-F5344CB8AC3E}">
+        <p14:creationId xmlns:p14="http://schemas.microsoft.com/office/powerpoint/2010/main" val="3984908547"/>
+      </p:ext>
+    </p:extLst>
+  </p:cSld>
+  <p:clrMapOvr>
+    <a:masterClrMapping/>
+  </p:clrMapOvr>
+</p:sld>
+</file>
+
+<file path=ppt/slides/slide13.xml><?xml version="1.0" encoding="utf-8"?>
+<p:sld xmlns:a="http://schemas.openxmlformats.org/drawingml/2006/main" xmlns:r="http://schemas.openxmlformats.org/officeDocument/2006/relationships" xmlns:p="http://schemas.openxmlformats.org/presentationml/2006/main">
+  <p:cSld>
+    <p:spTree>
+      <p:nvGrpSpPr>
+        <p:cNvPr id="1" name=""/>
+        <p:cNvGrpSpPr/>
+        <p:nvPr/>
+      </p:nvGrpSpPr>
+      <p:grpSpPr>
+        <a:xfrm>
+          <a:off x="0" y="0"/>
+          <a:ext cx="0" cy="0"/>
+          <a:chOff x="0" y="0"/>
+          <a:chExt cx="0" cy="0"/>
+        </a:xfrm>
+      </p:grpSpPr>
+      <p:sp>
+        <p:nvSpPr>
+          <p:cNvPr id="2" name="Title 1"/>
+          <p:cNvSpPr>
+            <a:spLocks noGrp="1"/>
+          </p:cNvSpPr>
+          <p:nvPr>
+            <p:ph type="title"/>
+          </p:nvPr>
+        </p:nvSpPr>
+        <p:spPr/>
+        <p:txBody>
+          <a:bodyPr/>
+          <a:lstStyle/>
+          <a:p>
+            <a:endParaRPr lang="en-US"/>
+          </a:p>
+        </p:txBody>
+      </p:sp>
+      <p:sp>
+        <p:nvSpPr>
+          <p:cNvPr id="3" name="Content Placeholder 2"/>
+          <p:cNvSpPr>
+            <a:spLocks noGrp="1"/>
+          </p:cNvSpPr>
+          <p:nvPr>
+            <p:ph idx="1"/>
+          </p:nvPr>
+        </p:nvSpPr>
+        <p:spPr/>
+        <p:txBody>
+          <a:bodyPr/>
+          <a:lstStyle/>
+          <a:p>
+            <a:endParaRPr lang="en-US"/>
+          </a:p>
+        </p:txBody>
+      </p:sp>
+    </p:spTree>
+    <p:extLst>
+      <p:ext uri="{BB962C8B-B14F-4D97-AF65-F5344CB8AC3E}">
+        <p14:creationId xmlns:p14="http://schemas.microsoft.com/office/powerpoint/2010/main" val="3495178935"/>
+      </p:ext>
+    </p:extLst>
+  </p:cSld>
+  <p:clrMapOvr>
+    <a:masterClrMapping/>
+  </p:clrMapOvr>
+</p:sld>
+</file>
+
+<file path=ppt/slides/slide14.xml><?xml version="1.0" encoding="utf-8"?>
+<p:sld xmlns:a="http://schemas.openxmlformats.org/drawingml/2006/main" xmlns:r="http://schemas.openxmlformats.org/officeDocument/2006/relationships" xmlns:p="http://schemas.openxmlformats.org/presentationml/2006/main">
+  <p:cSld>
+    <p:spTree>
+      <p:nvGrpSpPr>
+        <p:cNvPr id="1" name=""/>
+        <p:cNvGrpSpPr/>
+        <p:nvPr/>
+      </p:nvGrpSpPr>
+      <p:grpSpPr>
+        <a:xfrm>
+          <a:off x="0" y="0"/>
+          <a:ext cx="0" cy="0"/>
+          <a:chOff x="0" y="0"/>
+          <a:chExt cx="0" cy="0"/>
+        </a:xfrm>
+      </p:grpSpPr>
+      <p:sp>
+        <p:nvSpPr>
+          <p:cNvPr id="2" name="Title 1"/>
+          <p:cNvSpPr>
+            <a:spLocks noGrp="1"/>
+          </p:cNvSpPr>
+          <p:nvPr>
+            <p:ph type="title"/>
+          </p:nvPr>
+        </p:nvSpPr>
+        <p:spPr/>
+        <p:txBody>
+          <a:bodyPr/>
+          <a:lstStyle/>
+          <a:p>
+            <a:endParaRPr lang="en-US"/>
+          </a:p>
+        </p:txBody>
+      </p:sp>
+      <p:sp>
+        <p:nvSpPr>
+          <p:cNvPr id="3" name="Content Placeholder 2"/>
+          <p:cNvSpPr>
+            <a:spLocks noGrp="1"/>
+          </p:cNvSpPr>
+          <p:nvPr>
+            <p:ph idx="1"/>
+          </p:nvPr>
+        </p:nvSpPr>
+        <p:spPr/>
+        <p:txBody>
+          <a:bodyPr/>
+          <a:lstStyle/>
+          <a:p>
+            <a:endParaRPr lang="en-US"/>
+          </a:p>
+        </p:txBody>
+      </p:sp>
+    </p:spTree>
+    <p:extLst>
+      <p:ext uri="{BB962C8B-B14F-4D97-AF65-F5344CB8AC3E}">
+        <p14:creationId xmlns:p14="http://schemas.microsoft.com/office/powerpoint/2010/main" val="518128993"/>
       </p:ext>
     </p:extLst>
   </p:cSld>
@@ -3063,46 +3535,45 @@
           <a:lstStyle/>
           <a:p>
             <a:r>
-              <a:rPr lang="en-US" dirty="0" err="1" smtClean="0"/>
+              <a:rPr lang="en-US" dirty="0" err="1"/>
               <a:t>Đưa</a:t>
             </a:r>
             <a:r>
-              <a:rPr lang="en-US" dirty="0" smtClean="0"/>
+              <a:rPr lang="en-US" dirty="0"/>
               <a:t> </a:t>
             </a:r>
             <a:r>
-              <a:rPr lang="en-US" dirty="0" err="1" smtClean="0"/>
+              <a:rPr lang="en-US" dirty="0" err="1"/>
               <a:t>dự</a:t>
             </a:r>
             <a:r>
-              <a:rPr lang="en-US" dirty="0" smtClean="0"/>
+              <a:rPr lang="en-US" dirty="0"/>
               <a:t> </a:t>
             </a:r>
             <a:r>
-              <a:rPr lang="en-US" dirty="0" err="1" smtClean="0"/>
+              <a:rPr lang="en-US" dirty="0" err="1"/>
               <a:t>án</a:t>
             </a:r>
             <a:r>
-              <a:rPr lang="en-US" dirty="0" smtClean="0"/>
+              <a:rPr lang="en-US" dirty="0"/>
               <a:t> </a:t>
             </a:r>
             <a:r>
-              <a:rPr lang="en-US" dirty="0" err="1" smtClean="0"/>
+              <a:rPr lang="en-US" dirty="0" err="1"/>
               <a:t>lên</a:t>
             </a:r>
             <a:r>
-              <a:rPr lang="en-US" dirty="0" smtClean="0"/>
+              <a:rPr lang="en-US" dirty="0"/>
               <a:t> </a:t>
             </a:r>
             <a:r>
-              <a:rPr lang="en-US" dirty="0" err="1" smtClean="0"/>
+              <a:rPr lang="en-US" dirty="0" err="1"/>
               <a:t>trên</a:t>
             </a:r>
             <a:r>
-              <a:rPr lang="en-US" dirty="0" smtClean="0"/>
+              <a:rPr lang="en-US" dirty="0"/>
               <a:t> Server:</a:t>
             </a:r>
-            <a:endParaRPr lang="en-US" dirty="0"/>
           </a:p>
         </p:txBody>
       </p:sp>
@@ -3177,26 +3648,10 @@
           <a:bodyPr/>
           <a:lstStyle/>
           <a:p>
-            <a:endParaRPr lang="en-US"/>
-          </a:p>
-        </p:txBody>
-      </p:sp>
-      <p:sp>
-        <p:nvSpPr>
-          <p:cNvPr id="3" name="Content Placeholder 2"/>
-          <p:cNvSpPr>
-            <a:spLocks noGrp="1"/>
-          </p:cNvSpPr>
-          <p:nvPr>
-            <p:ph idx="1"/>
-          </p:nvPr>
-        </p:nvSpPr>
-        <p:spPr/>
-        <p:txBody>
-          <a:bodyPr/>
-          <a:lstStyle/>
-          <a:p>
-            <a:endParaRPr lang="en-US"/>
+            <a:r>
+              <a:rPr lang="en-US"/>
+              <a:t>cách xuất CSDL:</a:t>
+            </a:r>
           </a:p>
         </p:txBody>
       </p:sp>
@@ -3216,8 +3671,8 @@
         </p:blipFill>
         <p:spPr>
           <a:xfrm>
-            <a:off x="1020221" y="756145"/>
-            <a:ext cx="6001588" cy="5134692"/>
+            <a:off x="2360211" y="2307737"/>
+            <a:ext cx="6001588" cy="4065212"/>
           </a:xfrm>
           <a:prstGeom prst="rect">
             <a:avLst/>
@@ -3232,7 +3687,7 @@
         </p:nvSpPr>
         <p:spPr>
           <a:xfrm>
-            <a:off x="4088423" y="844062"/>
+            <a:off x="5361005" y="2307737"/>
             <a:ext cx="940777" cy="492369"/>
           </a:xfrm>
           <a:prstGeom prst="rect">
@@ -3268,13 +3723,15 @@
       <p:cxnSp>
         <p:nvCxnSpPr>
           <p:cNvPr id="7" name="Straight Arrow Connector 6"/>
-          <p:cNvCxnSpPr/>
+          <p:cNvCxnSpPr>
+            <a:cxnSpLocks/>
+          </p:cNvCxnSpPr>
           <p:nvPr/>
         </p:nvCxnSpPr>
         <p:spPr>
           <a:xfrm flipH="1">
-            <a:off x="1802424" y="1336431"/>
-            <a:ext cx="2910253" cy="3455376"/>
+            <a:off x="3045299" y="2800106"/>
+            <a:ext cx="2396713" cy="2891986"/>
           </a:xfrm>
           <a:prstGeom prst="straightConnector1">
             <a:avLst/>
@@ -3306,7 +3763,7 @@
         </p:nvSpPr>
         <p:spPr>
           <a:xfrm>
-            <a:off x="1169377" y="4765431"/>
+            <a:off x="2509905" y="5423884"/>
             <a:ext cx="615461" cy="369277"/>
           </a:xfrm>
           <a:prstGeom prst="ellipse">
@@ -3371,7 +3828,13 @@
       </p:grpSpPr>
       <p:sp>
         <p:nvSpPr>
-          <p:cNvPr id="2" name="Title 1"/>
+          <p:cNvPr id="2" name="Title 1">
+            <a:extLst>
+              <a:ext uri="{FF2B5EF4-FFF2-40B4-BE49-F238E27FC236}">
+                <a16:creationId xmlns:a16="http://schemas.microsoft.com/office/drawing/2014/main" id="{D490CB8D-988C-41A0-B0C6-5743AFA44CBE}"/>
+              </a:ext>
+            </a:extLst>
+          </p:cNvPr>
           <p:cNvSpPr>
             <a:spLocks noGrp="1"/>
           </p:cNvSpPr>
@@ -3390,7 +3853,13 @@
       </p:sp>
       <p:sp>
         <p:nvSpPr>
-          <p:cNvPr id="3" name="Content Placeholder 2"/>
+          <p:cNvPr id="3" name="Content Placeholder 2">
+            <a:extLst>
+              <a:ext uri="{FF2B5EF4-FFF2-40B4-BE49-F238E27FC236}">
+                <a16:creationId xmlns:a16="http://schemas.microsoft.com/office/drawing/2014/main" id="{229F62C4-1CF1-4DD4-9C8E-B7AD816F5F23}"/>
+              </a:ext>
+            </a:extLst>
+          </p:cNvPr>
           <p:cNvSpPr>
             <a:spLocks noGrp="1"/>
           </p:cNvSpPr>
@@ -3407,10 +3876,40 @@
           </a:p>
         </p:txBody>
       </p:sp>
+      <p:pic>
+        <p:nvPicPr>
+          <p:cNvPr id="4" name="Picture 3">
+            <a:extLst>
+              <a:ext uri="{FF2B5EF4-FFF2-40B4-BE49-F238E27FC236}">
+                <a16:creationId xmlns:a16="http://schemas.microsoft.com/office/drawing/2014/main" id="{8F43E25B-3553-4E2C-99BA-63FF08F4F1C3}"/>
+              </a:ext>
+            </a:extLst>
+          </p:cNvPr>
+          <p:cNvPicPr>
+            <a:picLocks noChangeAspect="1"/>
+          </p:cNvPicPr>
+          <p:nvPr/>
+        </p:nvPicPr>
+        <p:blipFill>
+          <a:blip r:embed="rId2"/>
+          <a:stretch>
+            <a:fillRect/>
+          </a:stretch>
+        </p:blipFill>
+        <p:spPr>
+          <a:xfrm>
+            <a:off x="1099217" y="994640"/>
+            <a:ext cx="9869277" cy="5182323"/>
+          </a:xfrm>
+          <a:prstGeom prst="rect">
+            <a:avLst/>
+          </a:prstGeom>
+        </p:spPr>
+      </p:pic>
     </p:spTree>
     <p:extLst>
       <p:ext uri="{BB962C8B-B14F-4D97-AF65-F5344CB8AC3E}">
-        <p14:creationId xmlns:p14="http://schemas.microsoft.com/office/powerpoint/2010/main" val="3559416043"/>
+        <p14:creationId xmlns:p14="http://schemas.microsoft.com/office/powerpoint/2010/main" val="1598836719"/>
       </p:ext>
     </p:extLst>
   </p:cSld>
@@ -3439,7 +3938,13 @@
       </p:grpSpPr>
       <p:sp>
         <p:nvSpPr>
-          <p:cNvPr id="2" name="Title 1"/>
+          <p:cNvPr id="2" name="Title 1">
+            <a:extLst>
+              <a:ext uri="{FF2B5EF4-FFF2-40B4-BE49-F238E27FC236}">
+                <a16:creationId xmlns:a16="http://schemas.microsoft.com/office/drawing/2014/main" id="{810B831D-B854-4F6A-B826-E36524DBB566}"/>
+              </a:ext>
+            </a:extLst>
+          </p:cNvPr>
           <p:cNvSpPr>
             <a:spLocks noGrp="1"/>
           </p:cNvSpPr>
@@ -3458,7 +3963,13 @@
       </p:sp>
       <p:sp>
         <p:nvSpPr>
-          <p:cNvPr id="3" name="Content Placeholder 2"/>
+          <p:cNvPr id="3" name="Content Placeholder 2">
+            <a:extLst>
+              <a:ext uri="{FF2B5EF4-FFF2-40B4-BE49-F238E27FC236}">
+                <a16:creationId xmlns:a16="http://schemas.microsoft.com/office/drawing/2014/main" id="{D7BF4F2B-92D0-4127-BF6B-B19A846B97A0}"/>
+              </a:ext>
+            </a:extLst>
+          </p:cNvPr>
           <p:cNvSpPr>
             <a:spLocks noGrp="1"/>
           </p:cNvSpPr>
@@ -3478,7 +3989,7 @@
     </p:spTree>
     <p:extLst>
       <p:ext uri="{BB962C8B-B14F-4D97-AF65-F5344CB8AC3E}">
-        <p14:creationId xmlns:p14="http://schemas.microsoft.com/office/powerpoint/2010/main" val="2897832447"/>
+        <p14:creationId xmlns:p14="http://schemas.microsoft.com/office/powerpoint/2010/main" val="2958859916"/>
       </p:ext>
     </p:extLst>
   </p:cSld>
@@ -3515,12 +4026,28 @@
             <p:ph type="title"/>
           </p:nvPr>
         </p:nvSpPr>
-        <p:spPr/>
-        <p:txBody>
-          <a:bodyPr/>
-          <a:lstStyle/>
-          <a:p>
-            <a:endParaRPr lang="en-US"/>
+        <p:spPr>
+          <a:xfrm>
+            <a:off x="0" y="18255"/>
+            <a:ext cx="12192000" cy="1325563"/>
+          </a:xfrm>
+        </p:spPr>
+        <p:txBody>
+          <a:bodyPr/>
+          <a:lstStyle/>
+          <a:p>
+            <a:r>
+              <a:rPr lang="en-US"/>
+              <a:t>Theme thử.  Theme có ph</a:t>
+            </a:r>
+            <a:r>
+              <a:rPr lang="vi-VN"/>
+              <a:t>ư</a:t>
+            </a:r>
+            <a:r>
+              <a:rPr lang="en-US"/>
+              <a:t>ơng thức thanh toán</a:t>
+            </a:r>
           </a:p>
         </p:txBody>
       </p:sp>
@@ -3534,19 +4061,54 @@
             <p:ph idx="1"/>
           </p:nvPr>
         </p:nvSpPr>
-        <p:spPr/>
-        <p:txBody>
-          <a:bodyPr/>
-          <a:lstStyle/>
-          <a:p>
-            <a:endParaRPr lang="en-US"/>
-          </a:p>
-        </p:txBody>
-      </p:sp>
+        <p:spPr>
+          <a:xfrm>
+            <a:off x="0" y="1411550"/>
+            <a:ext cx="12192000" cy="5446450"/>
+          </a:xfrm>
+        </p:spPr>
+        <p:txBody>
+          <a:bodyPr/>
+          <a:lstStyle/>
+          <a:p>
+            <a:endParaRPr lang="en-US"/>
+          </a:p>
+        </p:txBody>
+      </p:sp>
+      <p:pic>
+        <p:nvPicPr>
+          <p:cNvPr id="4" name="Picture 3">
+            <a:extLst>
+              <a:ext uri="{FF2B5EF4-FFF2-40B4-BE49-F238E27FC236}">
+                <a16:creationId xmlns:a16="http://schemas.microsoft.com/office/drawing/2014/main" id="{DCE5A948-2E65-4A5D-873A-4D8668F5DC16}"/>
+              </a:ext>
+            </a:extLst>
+          </p:cNvPr>
+          <p:cNvPicPr>
+            <a:picLocks noChangeAspect="1"/>
+          </p:cNvPicPr>
+          <p:nvPr/>
+        </p:nvPicPr>
+        <p:blipFill>
+          <a:blip r:embed="rId2"/>
+          <a:stretch>
+            <a:fillRect/>
+          </a:stretch>
+        </p:blipFill>
+        <p:spPr>
+          <a:xfrm>
+            <a:off x="1740720" y="2064603"/>
+            <a:ext cx="3934374" cy="3381847"/>
+          </a:xfrm>
+          <a:prstGeom prst="rect">
+            <a:avLst/>
+          </a:prstGeom>
+        </p:spPr>
+      </p:pic>
     </p:spTree>
     <p:extLst>
       <p:ext uri="{BB962C8B-B14F-4D97-AF65-F5344CB8AC3E}">
-        <p14:creationId xmlns:p14="http://schemas.microsoft.com/office/powerpoint/2010/main" val="3495178935"/>
+        <p14:creationId xmlns:p14="http://schemas.microsoft.com/office/powerpoint/2010/main" val="3559416043"/>
       </p:ext>
     </p:extLst>
   </p:cSld>
@@ -3583,38 +4145,614 @@
             <p:ph type="title"/>
           </p:nvPr>
         </p:nvSpPr>
-        <p:spPr/>
-        <p:txBody>
-          <a:bodyPr/>
-          <a:lstStyle/>
-          <a:p>
-            <a:endParaRPr lang="en-US"/>
-          </a:p>
-        </p:txBody>
-      </p:sp>
-      <p:sp>
-        <p:nvSpPr>
-          <p:cNvPr id="3" name="Content Placeholder 2"/>
-          <p:cNvSpPr>
-            <a:spLocks noGrp="1"/>
-          </p:cNvSpPr>
+        <p:spPr>
+          <a:xfrm>
+            <a:off x="319596" y="365125"/>
+            <a:ext cx="11034204" cy="1325563"/>
+          </a:xfrm>
+        </p:spPr>
+        <p:txBody>
+          <a:bodyPr/>
+          <a:lstStyle/>
+          <a:p>
+            <a:r>
+              <a:rPr lang="en-US"/>
+              <a:t>Theme hiện tại( Theme cũ) Theme có ph</a:t>
+            </a:r>
+            <a:r>
+              <a:rPr lang="vi-VN"/>
+              <a:t>ư</a:t>
+            </a:r>
+            <a:r>
+              <a:rPr lang="en-US"/>
+              <a:t>ơng thức thanh toán.</a:t>
+            </a:r>
+          </a:p>
+        </p:txBody>
+      </p:sp>
+      <p:pic>
+        <p:nvPicPr>
+          <p:cNvPr id="4" name="Content Placeholder 3">
+            <a:extLst>
+              <a:ext uri="{FF2B5EF4-FFF2-40B4-BE49-F238E27FC236}">
+                <a16:creationId xmlns:a16="http://schemas.microsoft.com/office/drawing/2014/main" id="{09F33C8E-4DC8-454D-9A69-873DD70EE60D}"/>
+              </a:ext>
+            </a:extLst>
+          </p:cNvPr>
+          <p:cNvPicPr>
+            <a:picLocks noGrp="1" noChangeAspect="1"/>
+          </p:cNvPicPr>
           <p:nvPr>
             <p:ph idx="1"/>
           </p:nvPr>
-        </p:nvSpPr>
-        <p:spPr/>
-        <p:txBody>
-          <a:bodyPr/>
-          <a:lstStyle/>
-          <a:p>
-            <a:endParaRPr lang="en-US"/>
-          </a:p>
-        </p:txBody>
-      </p:sp>
+        </p:nvPicPr>
+        <p:blipFill>
+          <a:blip r:embed="rId2"/>
+          <a:stretch>
+            <a:fillRect/>
+          </a:stretch>
+        </p:blipFill>
+        <p:spPr>
+          <a:xfrm>
+            <a:off x="700085" y="1865189"/>
+            <a:ext cx="4502229" cy="4411323"/>
+          </a:xfrm>
+          <a:prstGeom prst="rect">
+            <a:avLst/>
+          </a:prstGeom>
+        </p:spPr>
+      </p:pic>
     </p:spTree>
     <p:extLst>
       <p:ext uri="{BB962C8B-B14F-4D97-AF65-F5344CB8AC3E}">
-        <p14:creationId xmlns:p14="http://schemas.microsoft.com/office/powerpoint/2010/main" val="518128993"/>
+        <p14:creationId xmlns:p14="http://schemas.microsoft.com/office/powerpoint/2010/main" val="2897832447"/>
+      </p:ext>
+    </p:extLst>
+  </p:cSld>
+  <p:clrMapOvr>
+    <a:masterClrMapping/>
+  </p:clrMapOvr>
+</p:sld>
+</file>
+
+<file path=ppt/slides/slide8.xml><?xml version="1.0" encoding="utf-8"?>
+<p:sld xmlns:a="http://schemas.openxmlformats.org/drawingml/2006/main" xmlns:r="http://schemas.openxmlformats.org/officeDocument/2006/relationships" xmlns:p="http://schemas.openxmlformats.org/presentationml/2006/main">
+  <p:cSld>
+    <p:spTree>
+      <p:nvGrpSpPr>
+        <p:cNvPr id="1" name=""/>
+        <p:cNvGrpSpPr/>
+        <p:nvPr/>
+      </p:nvGrpSpPr>
+      <p:grpSpPr>
+        <a:xfrm>
+          <a:off x="0" y="0"/>
+          <a:ext cx="0" cy="0"/>
+          <a:chOff x="0" y="0"/>
+          <a:chExt cx="0" cy="0"/>
+        </a:xfrm>
+      </p:grpSpPr>
+      <p:sp>
+        <p:nvSpPr>
+          <p:cNvPr id="2" name="Title 1">
+            <a:extLst>
+              <a:ext uri="{FF2B5EF4-FFF2-40B4-BE49-F238E27FC236}">
+                <a16:creationId xmlns:a16="http://schemas.microsoft.com/office/drawing/2014/main" id="{0B605DDC-CAB1-4959-A489-CC98F9F39BA0}"/>
+              </a:ext>
+            </a:extLst>
+          </p:cNvPr>
+          <p:cNvSpPr>
+            <a:spLocks noGrp="1"/>
+          </p:cNvSpPr>
+          <p:nvPr>
+            <p:ph type="title"/>
+          </p:nvPr>
+        </p:nvSpPr>
+        <p:spPr/>
+        <p:txBody>
+          <a:bodyPr/>
+          <a:lstStyle/>
+          <a:p>
+            <a:r>
+              <a:rPr lang="en-US"/>
+              <a:t>Nhập dữ liệu cho bảng trong CSDL:</a:t>
+            </a:r>
+          </a:p>
+        </p:txBody>
+      </p:sp>
+      <p:sp>
+        <p:nvSpPr>
+          <p:cNvPr id="3" name="Content Placeholder 2">
+            <a:extLst>
+              <a:ext uri="{FF2B5EF4-FFF2-40B4-BE49-F238E27FC236}">
+                <a16:creationId xmlns:a16="http://schemas.microsoft.com/office/drawing/2014/main" id="{46B3C716-A95C-418F-8157-A0E9A90E990C}"/>
+              </a:ext>
+            </a:extLst>
+          </p:cNvPr>
+          <p:cNvSpPr>
+            <a:spLocks noGrp="1"/>
+          </p:cNvSpPr>
+          <p:nvPr>
+            <p:ph idx="1"/>
+          </p:nvPr>
+        </p:nvSpPr>
+        <p:spPr/>
+        <p:txBody>
+          <a:bodyPr/>
+          <a:lstStyle/>
+          <a:p>
+            <a:endParaRPr lang="en-US"/>
+          </a:p>
+        </p:txBody>
+      </p:sp>
+      <p:pic>
+        <p:nvPicPr>
+          <p:cNvPr id="4" name="Picture 3">
+            <a:extLst>
+              <a:ext uri="{FF2B5EF4-FFF2-40B4-BE49-F238E27FC236}">
+                <a16:creationId xmlns:a16="http://schemas.microsoft.com/office/drawing/2014/main" id="{9152883F-816D-4FC8-AB4C-C5F7F57A2A08}"/>
+              </a:ext>
+            </a:extLst>
+          </p:cNvPr>
+          <p:cNvPicPr>
+            <a:picLocks noChangeAspect="1"/>
+          </p:cNvPicPr>
+          <p:nvPr/>
+        </p:nvPicPr>
+        <p:blipFill>
+          <a:blip r:embed="rId2"/>
+          <a:stretch>
+            <a:fillRect/>
+          </a:stretch>
+        </p:blipFill>
+        <p:spPr>
+          <a:xfrm>
+            <a:off x="705484" y="1934795"/>
+            <a:ext cx="8135485" cy="4242168"/>
+          </a:xfrm>
+          <a:prstGeom prst="rect">
+            <a:avLst/>
+          </a:prstGeom>
+        </p:spPr>
+      </p:pic>
+    </p:spTree>
+    <p:extLst>
+      <p:ext uri="{BB962C8B-B14F-4D97-AF65-F5344CB8AC3E}">
+        <p14:creationId xmlns:p14="http://schemas.microsoft.com/office/powerpoint/2010/main" val="3601057060"/>
+      </p:ext>
+    </p:extLst>
+  </p:cSld>
+  <p:clrMapOvr>
+    <a:masterClrMapping/>
+  </p:clrMapOvr>
+</p:sld>
+</file>
+
+<file path=ppt/slides/slide9.xml><?xml version="1.0" encoding="utf-8"?>
+<p:sld xmlns:a="http://schemas.openxmlformats.org/drawingml/2006/main" xmlns:r="http://schemas.openxmlformats.org/officeDocument/2006/relationships" xmlns:p="http://schemas.openxmlformats.org/presentationml/2006/main">
+  <p:cSld>
+    <p:spTree>
+      <p:nvGrpSpPr>
+        <p:cNvPr id="1" name=""/>
+        <p:cNvGrpSpPr/>
+        <p:nvPr/>
+      </p:nvGrpSpPr>
+      <p:grpSpPr>
+        <a:xfrm>
+          <a:off x="0" y="0"/>
+          <a:ext cx="0" cy="0"/>
+          <a:chOff x="0" y="0"/>
+          <a:chExt cx="0" cy="0"/>
+        </a:xfrm>
+      </p:grpSpPr>
+      <p:sp>
+        <p:nvSpPr>
+          <p:cNvPr id="2" name="Title 1">
+            <a:extLst>
+              <a:ext uri="{FF2B5EF4-FFF2-40B4-BE49-F238E27FC236}">
+                <a16:creationId xmlns:a16="http://schemas.microsoft.com/office/drawing/2014/main" id="{DD413D6A-34BC-4391-890D-92D4864A2EA1}"/>
+              </a:ext>
+            </a:extLst>
+          </p:cNvPr>
+          <p:cNvSpPr>
+            <a:spLocks noGrp="1"/>
+          </p:cNvSpPr>
+          <p:nvPr>
+            <p:ph type="title"/>
+          </p:nvPr>
+        </p:nvSpPr>
+        <p:spPr>
+          <a:xfrm>
+            <a:off x="-1" y="1"/>
+            <a:ext cx="12029243" cy="798989"/>
+          </a:xfrm>
+        </p:spPr>
+        <p:txBody>
+          <a:bodyPr/>
+          <a:lstStyle/>
+          <a:p>
+            <a:r>
+              <a:rPr lang="en-US"/>
+              <a:t>Xuất sản phẩm và thêm sản phẩm vào trang Web</a:t>
+            </a:r>
+          </a:p>
+        </p:txBody>
+      </p:sp>
+      <p:sp>
+        <p:nvSpPr>
+          <p:cNvPr id="3" name="Content Placeholder 2">
+            <a:extLst>
+              <a:ext uri="{FF2B5EF4-FFF2-40B4-BE49-F238E27FC236}">
+                <a16:creationId xmlns:a16="http://schemas.microsoft.com/office/drawing/2014/main" id="{B1B0DE1C-376D-4956-BF57-1FDD08CB1F65}"/>
+              </a:ext>
+            </a:extLst>
+          </p:cNvPr>
+          <p:cNvSpPr>
+            <a:spLocks noGrp="1"/>
+          </p:cNvSpPr>
+          <p:nvPr>
+            <p:ph idx="1"/>
+          </p:nvPr>
+        </p:nvSpPr>
+        <p:spPr>
+          <a:xfrm>
+            <a:off x="0" y="1372506"/>
+            <a:ext cx="11931588" cy="568172"/>
+          </a:xfrm>
+        </p:spPr>
+        <p:txBody>
+          <a:bodyPr>
+            <a:normAutofit/>
+          </a:bodyPr>
+          <a:lstStyle/>
+          <a:p>
+            <a:pPr marL="0" indent="0">
+              <a:buNone/>
+            </a:pPr>
+            <a:r>
+              <a:rPr lang="en-US"/>
+              <a:t>https://www.youtube.com/watch?v=mTC0mbVZs-k</a:t>
+            </a:r>
+          </a:p>
+        </p:txBody>
+      </p:sp>
+      <p:sp>
+        <p:nvSpPr>
+          <p:cNvPr id="4" name="TextBox 3">
+            <a:extLst>
+              <a:ext uri="{FF2B5EF4-FFF2-40B4-BE49-F238E27FC236}">
+                <a16:creationId xmlns:a16="http://schemas.microsoft.com/office/drawing/2014/main" id="{8347A949-BFBB-4B6D-9D8A-85E67DABBDCD}"/>
+              </a:ext>
+            </a:extLst>
+          </p:cNvPr>
+          <p:cNvSpPr txBox="1"/>
+          <p:nvPr/>
+        </p:nvSpPr>
+        <p:spPr>
+          <a:xfrm>
+            <a:off x="115411" y="798990"/>
+            <a:ext cx="2148396" cy="369332"/>
+          </a:xfrm>
+          <a:prstGeom prst="rect">
+            <a:avLst/>
+          </a:prstGeom>
+          <a:noFill/>
+        </p:spPr>
+        <p:txBody>
+          <a:bodyPr wrap="square" rtlCol="0">
+            <a:spAutoFit/>
+          </a:bodyPr>
+          <a:lstStyle/>
+          <a:p>
+            <a:r>
+              <a:rPr lang="en-US"/>
+              <a:t>Link h</a:t>
+            </a:r>
+            <a:r>
+              <a:rPr lang="vi-VN"/>
+              <a:t>ư</a:t>
+            </a:r>
+            <a:r>
+              <a:rPr lang="en-US"/>
+              <a:t>ớng dẫn:</a:t>
+            </a:r>
+          </a:p>
+        </p:txBody>
+      </p:sp>
+      <p:sp>
+        <p:nvSpPr>
+          <p:cNvPr id="5" name="TextBox 4">
+            <a:extLst>
+              <a:ext uri="{FF2B5EF4-FFF2-40B4-BE49-F238E27FC236}">
+                <a16:creationId xmlns:a16="http://schemas.microsoft.com/office/drawing/2014/main" id="{0FAEEBCC-78CB-450F-BA36-D8060F8A6C0A}"/>
+              </a:ext>
+            </a:extLst>
+          </p:cNvPr>
+          <p:cNvSpPr txBox="1"/>
+          <p:nvPr/>
+        </p:nvSpPr>
+        <p:spPr>
+          <a:xfrm>
+            <a:off x="736847" y="2672179"/>
+            <a:ext cx="9623394" cy="369332"/>
+          </a:xfrm>
+          <a:prstGeom prst="rect">
+            <a:avLst/>
+          </a:prstGeom>
+          <a:noFill/>
+        </p:spPr>
+        <p:txBody>
+          <a:bodyPr wrap="square" rtlCol="0">
+            <a:spAutoFit/>
+          </a:bodyPr>
+          <a:lstStyle/>
+          <a:p>
+            <a:r>
+              <a:rPr lang="en-US"/>
+              <a:t>Xuất theo thứ tự tùy ý nh</a:t>
+            </a:r>
+            <a:r>
+              <a:rPr lang="vi-VN"/>
+              <a:t>ư</a:t>
+            </a:r>
+            <a:r>
+              <a:rPr lang="en-US"/>
+              <a:t>ng khi nhập thì phải nhập hình ảnh vào tr</a:t>
+            </a:r>
+            <a:r>
+              <a:rPr lang="vi-VN"/>
+              <a:t>ư</a:t>
+            </a:r>
+            <a:r>
+              <a:rPr lang="en-US"/>
+              <a:t>ớc</a:t>
+            </a:r>
+          </a:p>
+        </p:txBody>
+      </p:sp>
+      <p:sp>
+        <p:nvSpPr>
+          <p:cNvPr id="6" name="TextBox 5">
+            <a:extLst>
+              <a:ext uri="{FF2B5EF4-FFF2-40B4-BE49-F238E27FC236}">
+                <a16:creationId xmlns:a16="http://schemas.microsoft.com/office/drawing/2014/main" id="{C30F906F-F353-4F58-A7CA-E609FB19ADB3}"/>
+              </a:ext>
+            </a:extLst>
+          </p:cNvPr>
+          <p:cNvSpPr txBox="1"/>
+          <p:nvPr/>
+        </p:nvSpPr>
+        <p:spPr>
+          <a:xfrm>
+            <a:off x="292963" y="3429000"/>
+            <a:ext cx="3737499" cy="369332"/>
+          </a:xfrm>
+          <a:prstGeom prst="rect">
+            <a:avLst/>
+          </a:prstGeom>
+          <a:noFill/>
+        </p:spPr>
+        <p:txBody>
+          <a:bodyPr wrap="square" rtlCol="0">
+            <a:spAutoFit/>
+          </a:bodyPr>
+          <a:lstStyle/>
+          <a:p>
+            <a:r>
+              <a:rPr lang="en-US"/>
+              <a:t>Chuyển dữ liệu giữa các website:</a:t>
+            </a:r>
+          </a:p>
+        </p:txBody>
+      </p:sp>
+      <p:sp>
+        <p:nvSpPr>
+          <p:cNvPr id="7" name="TextBox 6">
+            <a:extLst>
+              <a:ext uri="{FF2B5EF4-FFF2-40B4-BE49-F238E27FC236}">
+                <a16:creationId xmlns:a16="http://schemas.microsoft.com/office/drawing/2014/main" id="{67468C7A-8099-4FCD-9B81-7EEA41C2E301}"/>
+              </a:ext>
+            </a:extLst>
+          </p:cNvPr>
+          <p:cNvSpPr txBox="1"/>
+          <p:nvPr/>
+        </p:nvSpPr>
+        <p:spPr>
+          <a:xfrm>
+            <a:off x="466077" y="4160501"/>
+            <a:ext cx="10999433" cy="369332"/>
+          </a:xfrm>
+          <a:prstGeom prst="rect">
+            <a:avLst/>
+          </a:prstGeom>
+          <a:noFill/>
+        </p:spPr>
+        <p:txBody>
+          <a:bodyPr wrap="square" rtlCol="0">
+            <a:spAutoFit/>
+          </a:bodyPr>
+          <a:lstStyle/>
+          <a:p>
+            <a:r>
+              <a:rPr lang="en-US"/>
+              <a:t>Link h</a:t>
+            </a:r>
+            <a:r>
+              <a:rPr lang="vi-VN"/>
+              <a:t>ư</a:t>
+            </a:r>
+            <a:r>
+              <a:rPr lang="en-US"/>
+              <a:t>ớng dẫn: </a:t>
+            </a:r>
+          </a:p>
+        </p:txBody>
+      </p:sp>
+      <p:graphicFrame>
+        <p:nvGraphicFramePr>
+          <p:cNvPr id="8" name="Object 7">
+            <a:extLst>
+              <a:ext uri="{FF2B5EF4-FFF2-40B4-BE49-F238E27FC236}">
+                <a16:creationId xmlns:a16="http://schemas.microsoft.com/office/drawing/2014/main" id="{7CEBDA7F-E4FF-4F12-A6EF-FA6BFCEA4FA5}"/>
+              </a:ext>
+            </a:extLst>
+          </p:cNvPr>
+          <p:cNvGraphicFramePr>
+            <a:graphicFrameLocks noChangeAspect="1"/>
+          </p:cNvGraphicFramePr>
+          <p:nvPr>
+            <p:extLst>
+              <p:ext uri="{D42A27DB-BD31-4B8C-83A1-F6EECF244321}">
+                <p14:modId xmlns:p14="http://schemas.microsoft.com/office/powerpoint/2010/main" val="1472464278"/>
+              </p:ext>
+            </p:extLst>
+          </p:nvPr>
+        </p:nvGraphicFramePr>
+        <p:xfrm>
+          <a:off x="98425" y="98425"/>
+          <a:ext cx="850900" cy="468313"/>
+        </p:xfrm>
+        <a:graphic>
+          <a:graphicData uri="http://schemas.openxmlformats.org/presentationml/2006/ole">
+            <mc:AlternateContent xmlns:mc="http://schemas.openxmlformats.org/markup-compatibility/2006">
+              <mc:Choice xmlns:v="urn:schemas-microsoft-com:vml" Requires="v">
+                <p:oleObj spid="_x0000_s1030" name="Packager Shell Object" showAsIcon="1" r:id="rId3" imgW="851400" imgH="468000" progId="Package">
+                  <p:embed/>
+                </p:oleObj>
+              </mc:Choice>
+              <mc:Fallback>
+                <p:oleObj name="Packager Shell Object" showAsIcon="1" r:id="rId3" imgW="851400" imgH="468000" progId="Package">
+                  <p:embed/>
+                  <p:pic>
+                    <p:nvPicPr>
+                      <p:cNvPr id="0" name=""/>
+                      <p:cNvPicPr/>
+                      <p:nvPr/>
+                    </p:nvPicPr>
+                    <p:blipFill>
+                      <a:blip r:embed="rId4"/>
+                      <a:stretch>
+                        <a:fillRect/>
+                      </a:stretch>
+                    </p:blipFill>
+                    <p:spPr>
+                      <a:xfrm>
+                        <a:off x="98425" y="98425"/>
+                        <a:ext cx="850900" cy="468313"/>
+                      </a:xfrm>
+                      <a:prstGeom prst="rect">
+                        <a:avLst/>
+                      </a:prstGeom>
+                    </p:spPr>
+                  </p:pic>
+                </p:oleObj>
+              </mc:Fallback>
+            </mc:AlternateContent>
+          </a:graphicData>
+        </a:graphic>
+      </p:graphicFrame>
+      <p:graphicFrame>
+        <p:nvGraphicFramePr>
+          <p:cNvPr id="9" name="Object 8">
+            <a:extLst>
+              <a:ext uri="{FF2B5EF4-FFF2-40B4-BE49-F238E27FC236}">
+                <a16:creationId xmlns:a16="http://schemas.microsoft.com/office/drawing/2014/main" id="{2A23BE2F-A3AA-4F0D-85EE-F8E45FFD1D87}"/>
+              </a:ext>
+            </a:extLst>
+          </p:cNvPr>
+          <p:cNvGraphicFramePr>
+            <a:graphicFrameLocks noChangeAspect="1"/>
+          </p:cNvGraphicFramePr>
+          <p:nvPr>
+            <p:extLst>
+              <p:ext uri="{D42A27DB-BD31-4B8C-83A1-F6EECF244321}">
+                <p14:modId xmlns:p14="http://schemas.microsoft.com/office/powerpoint/2010/main" val="1804907288"/>
+              </p:ext>
+            </p:extLst>
+          </p:nvPr>
+        </p:nvGraphicFramePr>
+        <p:xfrm>
+          <a:off x="2549432" y="769017"/>
+          <a:ext cx="1101725" cy="468313"/>
+        </p:xfrm>
+        <a:graphic>
+          <a:graphicData uri="http://schemas.openxmlformats.org/presentationml/2006/ole">
+            <mc:AlternateContent xmlns:mc="http://schemas.openxmlformats.org/markup-compatibility/2006">
+              <mc:Choice xmlns:v="urn:schemas-microsoft-com:vml" Requires="v">
+                <p:oleObj spid="_x0000_s1031" name="Packager Shell Object" showAsIcon="1" r:id="rId5" imgW="1102320" imgH="468000" progId="Package">
+                  <p:embed/>
+                </p:oleObj>
+              </mc:Choice>
+              <mc:Fallback>
+                <p:oleObj name="Packager Shell Object" showAsIcon="1" r:id="rId5" imgW="1102320" imgH="468000" progId="Package">
+                  <p:embed/>
+                  <p:pic>
+                    <p:nvPicPr>
+                      <p:cNvPr id="0" name=""/>
+                      <p:cNvPicPr/>
+                      <p:nvPr/>
+                    </p:nvPicPr>
+                    <p:blipFill>
+                      <a:blip r:embed="rId6"/>
+                      <a:stretch>
+                        <a:fillRect/>
+                      </a:stretch>
+                    </p:blipFill>
+                    <p:spPr>
+                      <a:xfrm>
+                        <a:off x="2549432" y="769017"/>
+                        <a:ext cx="1101725" cy="468313"/>
+                      </a:xfrm>
+                      <a:prstGeom prst="rect">
+                        <a:avLst/>
+                      </a:prstGeom>
+                    </p:spPr>
+                  </p:pic>
+                </p:oleObj>
+              </mc:Fallback>
+            </mc:AlternateContent>
+          </a:graphicData>
+        </a:graphic>
+      </p:graphicFrame>
+      <p:sp>
+        <p:nvSpPr>
+          <p:cNvPr id="10" name="TextBox 9">
+            <a:extLst>
+              <a:ext uri="{FF2B5EF4-FFF2-40B4-BE49-F238E27FC236}">
+                <a16:creationId xmlns:a16="http://schemas.microsoft.com/office/drawing/2014/main" id="{FD61EC50-23D8-4BD4-8694-9376B187A5F5}"/>
+              </a:ext>
+            </a:extLst>
+          </p:cNvPr>
+          <p:cNvSpPr txBox="1"/>
+          <p:nvPr/>
+        </p:nvSpPr>
+        <p:spPr>
+          <a:xfrm>
+            <a:off x="630315" y="4811697"/>
+            <a:ext cx="11159231" cy="369332"/>
+          </a:xfrm>
+          <a:prstGeom prst="rect">
+            <a:avLst/>
+          </a:prstGeom>
+          <a:noFill/>
+        </p:spPr>
+        <p:txBody>
+          <a:bodyPr wrap="square" rtlCol="0">
+            <a:spAutoFit/>
+          </a:bodyPr>
+          <a:lstStyle/>
+          <a:p>
+            <a:r>
+              <a:rPr lang="en-US"/>
+              <a:t>https://www.youtube.com/watch?v=zeZ9QvqzGR0</a:t>
+            </a:r>
+          </a:p>
+        </p:txBody>
+      </p:sp>
+    </p:spTree>
+    <p:extLst>
+      <p:ext uri="{BB962C8B-B14F-4D97-AF65-F5344CB8AC3E}">
+        <p14:creationId xmlns:p14="http://schemas.microsoft.com/office/powerpoint/2010/main" val="3205421777"/>
       </p:ext>
     </p:extLst>
   </p:cSld>

--- a/Import&ExPort DataBasePHP.pptx
+++ b/Import&ExPort DataBasePHP.pptx
@@ -3314,7 +3314,12 @@
             <p:ph type="title"/>
           </p:nvPr>
         </p:nvSpPr>
-        <p:spPr/>
+        <p:spPr>
+          <a:xfrm>
+            <a:off x="0" y="0"/>
+            <a:ext cx="12192000" cy="744584"/>
+          </a:xfrm>
+        </p:spPr>
         <p:txBody>
           <a:bodyPr/>
           <a:lstStyle/>
@@ -3339,12 +3344,20 @@
             <p:ph idx="1"/>
           </p:nvPr>
         </p:nvSpPr>
-        <p:spPr/>
-        <p:txBody>
-          <a:bodyPr/>
-          <a:lstStyle/>
-          <a:p>
-            <a:endParaRPr lang="en-US"/>
+        <p:spPr>
+          <a:xfrm>
+            <a:off x="0" y="744584"/>
+            <a:ext cx="11353800" cy="1696775"/>
+          </a:xfrm>
+        </p:spPr>
+        <p:txBody>
+          <a:bodyPr/>
+          <a:lstStyle/>
+          <a:p>
+            <a:r>
+              <a:rPr lang="en-US"/>
+              <a:t>Phải tạo tài khoản rồi mới đc đặt hàng, thanh toán</a:t>
+            </a:r>
           </a:p>
         </p:txBody>
       </p:sp>
@@ -4616,7 +4629,7 @@
           <a:graphicData uri="http://schemas.openxmlformats.org/presentationml/2006/ole">
             <mc:AlternateContent xmlns:mc="http://schemas.openxmlformats.org/markup-compatibility/2006">
               <mc:Choice xmlns:v="urn:schemas-microsoft-com:vml" Requires="v">
-                <p:oleObj spid="_x0000_s1030" name="Packager Shell Object" showAsIcon="1" r:id="rId3" imgW="851400" imgH="468000" progId="Package">
+                <p:oleObj spid="_x0000_s1034" name="Packager Shell Object" showAsIcon="1" r:id="rId3" imgW="851400" imgH="468000" progId="Package">
                   <p:embed/>
                 </p:oleObj>
               </mc:Choice>
@@ -4679,7 +4692,7 @@
           <a:graphicData uri="http://schemas.openxmlformats.org/presentationml/2006/ole">
             <mc:AlternateContent xmlns:mc="http://schemas.openxmlformats.org/markup-compatibility/2006">
               <mc:Choice xmlns:v="urn:schemas-microsoft-com:vml" Requires="v">
-                <p:oleObj spid="_x0000_s1031" name="Packager Shell Object" showAsIcon="1" r:id="rId5" imgW="1102320" imgH="468000" progId="Package">
+                <p:oleObj spid="_x0000_s1035" name="Packager Shell Object" showAsIcon="1" r:id="rId5" imgW="1102320" imgH="468000" progId="Package">
                   <p:embed/>
                 </p:oleObj>
               </mc:Choice>
